--- a/IoT_Network_Security.pptx
+++ b/IoT_Network_Security.pptx
@@ -196,6 +196,14 @@
 </p:presentation>
 </file>
 
+<file path=ppt/revisionInfo.xml><?xml version="1.0" encoding="utf-8"?>
+<p1510:revInfo xmlns:a="http://schemas.openxmlformats.org/drawingml/2006/main" xmlns:r="http://schemas.openxmlformats.org/officeDocument/2006/relationships" xmlns:p1510="http://schemas.microsoft.com/office/powerpoint/2015/10/main">
+  <p1510:revLst>
+    <p1510:client id="{64B3F193-EB11-47B2-9012-290CB44CD964}" v="21" dt="2023-05-09T12:48:58.890"/>
+  </p1510:revLst>
+</p1510:revInfo>
+</file>
+
 <file path=ppt/handoutMasters/handoutMaster1.xml><?xml version="1.0" encoding="utf-8"?>
 <p:handoutMaster xmlns:a="http://schemas.openxmlformats.org/drawingml/2006/main" xmlns:r="http://schemas.openxmlformats.org/officeDocument/2006/relationships" xmlns:p="http://schemas.openxmlformats.org/presentationml/2006/main">
   <p:cSld>
@@ -426,7 +434,7 @@
               <a:pPr>
                 <a:defRPr/>
               </a:pPr>
-              <a:t>‹#›</a:t>
+              <a:t>‹Nr.›</a:t>
             </a:fld>
             <a:endParaRPr lang="de-DE"/>
           </a:p>
@@ -761,7 +769,7 @@
               <a:pPr>
                 <a:defRPr/>
               </a:pPr>
-              <a:t>‹#›</a:t>
+              <a:t>‹Nr.›</a:t>
             </a:fld>
             <a:endParaRPr lang="de-DE"/>
           </a:p>
@@ -1014,7 +1022,7 @@
               <a:rPr lang="en-GB"/>
               <a:t>Click to edit Master subtitle style</a:t>
             </a:r>
-            <a:endParaRPr lang="de-DE" dirty="0"/>
+            <a:endParaRPr lang="de-DE"/>
           </a:p>
         </p:txBody>
       </p:sp>
@@ -1049,7 +1057,7 @@
               <a:rPr lang="en-GB"/>
               <a:t>Click to edit Master title style</a:t>
             </a:r>
-            <a:endParaRPr lang="de-DE" dirty="0"/>
+            <a:endParaRPr lang="de-DE"/>
           </a:p>
         </p:txBody>
       </p:sp>
@@ -1093,7 +1101,7 @@
               </a:spcBef>
             </a:pPr>
             <a:r>
-              <a:rPr lang="de-DE" sz="1000" b="1" dirty="0">
+              <a:rPr lang="de-DE" sz="1000" b="1">
                 <a:solidFill>
                   <a:srgbClr val="5F5F5F"/>
                 </a:solidFill>
@@ -1112,7 +1120,7 @@
               </a:spcBef>
             </a:pPr>
             <a:r>
-              <a:rPr lang="de-DE" sz="1000" b="1" dirty="0">
+              <a:rPr lang="de-DE" sz="1000" b="1">
                 <a:solidFill>
                   <a:srgbClr val="5F5F5F"/>
                 </a:solidFill>
@@ -1450,7 +1458,7 @@
           </a:lstStyle>
           <a:p>
             <a:r>
-              <a:rPr lang="de-DE" dirty="0"/>
+              <a:rPr lang="de-DE"/>
               <a:t>Titel, Datum, …</a:t>
             </a:r>
           </a:p>
@@ -2630,35 +2638,35 @@
           <a:p>
             <a:pPr lvl="0"/>
             <a:r>
-              <a:rPr lang="de-DE" dirty="0"/>
+              <a:rPr lang="de-DE"/>
               <a:t>Mastertextformat bearbeiten</a:t>
             </a:r>
           </a:p>
           <a:p>
             <a:pPr lvl="1"/>
             <a:r>
-              <a:rPr lang="de-DE" dirty="0"/>
+              <a:rPr lang="de-DE"/>
               <a:t>Zweite Ebene</a:t>
             </a:r>
           </a:p>
           <a:p>
             <a:pPr lvl="2"/>
             <a:r>
-              <a:rPr lang="de-DE" dirty="0"/>
+              <a:rPr lang="de-DE"/>
               <a:t>Dritte Ebene</a:t>
             </a:r>
           </a:p>
           <a:p>
             <a:pPr lvl="3"/>
             <a:r>
-              <a:rPr lang="de-DE" dirty="0"/>
+              <a:rPr lang="de-DE"/>
               <a:t>Vierte Ebene</a:t>
             </a:r>
           </a:p>
           <a:p>
             <a:pPr lvl="4"/>
             <a:r>
-              <a:rPr lang="de-DE" dirty="0"/>
+              <a:rPr lang="de-DE"/>
               <a:t>Fünfte Ebene</a:t>
             </a:r>
           </a:p>
@@ -2700,7 +2708,7 @@
           <a:p>
             <a:pPr lvl="0"/>
             <a:r>
-              <a:rPr lang="de-DE" dirty="0"/>
+              <a:rPr lang="de-DE"/>
               <a:t>Mastertitelformat bearbeiten</a:t>
             </a:r>
           </a:p>
@@ -2747,9 +2755,9 @@
               <a:pPr algn="r">
                 <a:defRPr/>
               </a:pPr>
-              <a:t>‹#›</a:t>
+              <a:t>‹Nr.›</a:t>
             </a:fld>
-            <a:endParaRPr lang="de-DE" sz="1000" b="1" dirty="0">
+            <a:endParaRPr lang="de-DE" sz="1000" b="1">
               <a:solidFill>
                 <a:srgbClr val="5F5F5F"/>
               </a:solidFill>
@@ -2801,7 +2809,7 @@
           </a:lstStyle>
           <a:p>
             <a:r>
-              <a:rPr lang="de-DE" dirty="0"/>
+              <a:rPr lang="de-DE"/>
               <a:t>Titel, Datum, …</a:t>
             </a:r>
           </a:p>
@@ -3360,7 +3368,7 @@
           <a:p>
             <a:pPr algn="ctr"/>
             <a:r>
-              <a:rPr lang="en-US" sz="2800" b="0" dirty="0">
+              <a:rPr lang="en-US" sz="2800" b="0">
                 <a:latin typeface="Al Tarikh" pitchFamily="2" charset="-78"/>
                 <a:cs typeface="Al Tarikh" pitchFamily="2" charset="-78"/>
               </a:rPr>
@@ -3399,61 +3407,61 @@
           <a:p>
             <a:pPr algn="ctr"/>
             <a:r>
-              <a:rPr lang="en-GB" b="1" i="0" dirty="0" err="1">
+              <a:rPr lang="en-GB" b="1" i="0" err="1">
                 <a:effectLst/>
                 <a:latin typeface="Times New Roman" panose="02020603050405020304" pitchFamily="18" charset="0"/>
               </a:rPr>
               <a:t>Untersuchung</a:t>
             </a:r>
             <a:r>
-              <a:rPr lang="en-GB" b="1" i="0" dirty="0">
+              <a:rPr lang="en-GB" b="1" i="0">
                 <a:effectLst/>
                 <a:latin typeface="Times New Roman" panose="02020603050405020304" pitchFamily="18" charset="0"/>
               </a:rPr>
               <a:t> der </a:t>
             </a:r>
             <a:r>
-              <a:rPr lang="en-GB" b="1" i="0" dirty="0" err="1">
+              <a:rPr lang="en-GB" b="1" i="0" err="1">
                 <a:effectLst/>
                 <a:latin typeface="Times New Roman" panose="02020603050405020304" pitchFamily="18" charset="0"/>
               </a:rPr>
               <a:t>verschieden</a:t>
             </a:r>
             <a:r>
-              <a:rPr lang="en-GB" b="1" i="0" dirty="0">
+              <a:rPr lang="en-GB" b="1" i="0">
                 <a:effectLst/>
                 <a:latin typeface="Times New Roman" panose="02020603050405020304" pitchFamily="18" charset="0"/>
               </a:rPr>
               <a:t> </a:t>
             </a:r>
             <a:r>
-              <a:rPr lang="en-GB" b="1" i="0" dirty="0" err="1">
+              <a:rPr lang="en-GB" b="1" i="0" err="1">
                 <a:effectLst/>
                 <a:latin typeface="Times New Roman" panose="02020603050405020304" pitchFamily="18" charset="0"/>
               </a:rPr>
               <a:t>Schutzmechanismen</a:t>
             </a:r>
-            <a:endParaRPr lang="en-GB" b="1" dirty="0">
+            <a:endParaRPr lang="en-GB" b="1">
               <a:latin typeface="Times New Roman" panose="02020603050405020304" pitchFamily="18" charset="0"/>
             </a:endParaRPr>
           </a:p>
           <a:p>
             <a:pPr algn="ctr"/>
             <a:r>
-              <a:rPr lang="en-GB" b="1" i="0" dirty="0">
+              <a:rPr lang="en-GB" b="1" i="0">
                 <a:effectLst/>
                 <a:latin typeface="Times New Roman" panose="02020603050405020304" pitchFamily="18" charset="0"/>
               </a:rPr>
               <a:t>in Smart Home </a:t>
             </a:r>
             <a:r>
-              <a:rPr lang="en-GB" b="1" i="0" dirty="0" err="1">
+              <a:rPr lang="en-GB" b="1" i="0" err="1">
                 <a:effectLst/>
                 <a:latin typeface="Times New Roman" panose="02020603050405020304" pitchFamily="18" charset="0"/>
               </a:rPr>
               <a:t>Netzwerken</a:t>
             </a:r>
-            <a:endParaRPr lang="en-DE" b="1" dirty="0"/>
+            <a:endParaRPr lang="en-DE" b="1"/>
           </a:p>
         </p:txBody>
       </p:sp>
@@ -3486,7 +3494,7 @@
           <a:lstStyle/>
           <a:p>
             <a:r>
-              <a:rPr lang="en-DE" dirty="0">
+              <a:rPr lang="en-DE">
                 <a:solidFill>
                   <a:srgbClr val="003366"/>
                 </a:solidFill>
@@ -3496,7 +3504,7 @@
               <a:t>Aiman Al-Hazmi &amp; </a:t>
             </a:r>
             <a:r>
-              <a:rPr lang="en-GB" b="0" i="0" dirty="0" err="1">
+              <a:rPr lang="en-GB" b="0" i="0" err="1">
                 <a:solidFill>
                   <a:srgbClr val="003366"/>
                 </a:solidFill>
@@ -3507,7 +3515,7 @@
               <a:t>Zohreh</a:t>
             </a:r>
             <a:r>
-              <a:rPr lang="en-GB" b="0" i="0" dirty="0">
+              <a:rPr lang="en-GB" b="0" i="0">
                 <a:solidFill>
                   <a:srgbClr val="003366"/>
                 </a:solidFill>
@@ -3518,7 +3526,7 @@
               <a:t> </a:t>
             </a:r>
             <a:r>
-              <a:rPr lang="en-GB" b="0" i="0" dirty="0" err="1">
+              <a:rPr lang="en-GB" b="0" i="0" err="1">
                 <a:solidFill>
                   <a:srgbClr val="003366"/>
                 </a:solidFill>
@@ -3528,7 +3536,7 @@
               </a:rPr>
               <a:t>Asadi</a:t>
             </a:r>
-            <a:endParaRPr lang="en-DE" dirty="0">
+            <a:endParaRPr lang="en-DE">
               <a:solidFill>
                 <a:srgbClr val="003366"/>
               </a:solidFill>
@@ -3603,7 +3611,7 @@
           <a:lstStyle/>
           <a:p>
             <a:r>
-              <a:rPr lang="en-US" sz="1000" b="0" dirty="0">
+              <a:rPr lang="en-US" sz="1000" b="0">
                 <a:solidFill>
                   <a:srgbClr val="5F5F5F"/>
                 </a:solidFill>
@@ -3613,7 +3621,7 @@
               <a:t>Proseminar – </a:t>
             </a:r>
             <a:r>
-              <a:rPr lang="en-US" sz="1000" b="0" dirty="0" err="1">
+              <a:rPr lang="en-US" sz="1000" b="0" err="1">
                 <a:solidFill>
                   <a:srgbClr val="5F5F5F"/>
                 </a:solidFill>
@@ -3623,7 +3631,7 @@
               <a:t>Technische</a:t>
             </a:r>
             <a:r>
-              <a:rPr lang="en-US" sz="1000" b="0" dirty="0">
+              <a:rPr lang="en-US" sz="1000" b="0">
                 <a:solidFill>
                   <a:srgbClr val="5F5F5F"/>
                 </a:solidFill>
@@ -3633,7 +3641,7 @@
               <a:t> </a:t>
             </a:r>
             <a:r>
-              <a:rPr lang="en-US" sz="1000" b="0" dirty="0" err="1">
+              <a:rPr lang="en-US" sz="1000" b="0" err="1">
                 <a:solidFill>
                   <a:srgbClr val="5F5F5F"/>
                 </a:solidFill>
@@ -3642,7 +3650,7 @@
               </a:rPr>
               <a:t>Informatik</a:t>
             </a:r>
-            <a:endParaRPr lang="en-DE" sz="1000" dirty="0">
+            <a:endParaRPr lang="en-DE" sz="1000">
               <a:solidFill>
                 <a:srgbClr val="5F5F5F"/>
               </a:solidFill>
@@ -3695,7 +3703,6 @@
               <a:rPr lang="de-DE"/>
               <a:t>Überblick </a:t>
             </a:r>
-            <a:endParaRPr lang="de-DE" dirty="0"/>
           </a:p>
         </p:txBody>
       </p:sp>
@@ -3721,64 +3728,64 @@
           <a:p>
             <a:pPr algn="ctr"/>
             <a:r>
-              <a:rPr lang="en-GB" i="0" dirty="0" err="1">
+              <a:rPr lang="en-GB" i="0" err="1">
                 <a:effectLst/>
                 <a:latin typeface="Times New Roman" panose="02020603050405020304" pitchFamily="18" charset="0"/>
               </a:rPr>
               <a:t>Untersuchung</a:t>
             </a:r>
             <a:r>
-              <a:rPr lang="en-GB" i="0" dirty="0">
+              <a:rPr lang="en-GB" i="0">
                 <a:effectLst/>
                 <a:latin typeface="Times New Roman" panose="02020603050405020304" pitchFamily="18" charset="0"/>
               </a:rPr>
               <a:t> der </a:t>
             </a:r>
             <a:r>
-              <a:rPr lang="en-GB" i="0" dirty="0" err="1">
+              <a:rPr lang="en-GB" i="0" err="1">
                 <a:effectLst/>
                 <a:latin typeface="Times New Roman" panose="02020603050405020304" pitchFamily="18" charset="0"/>
               </a:rPr>
               <a:t>verschieden</a:t>
             </a:r>
             <a:r>
-              <a:rPr lang="en-GB" i="0" dirty="0">
+              <a:rPr lang="en-GB" i="0">
                 <a:effectLst/>
                 <a:latin typeface="Times New Roman" panose="02020603050405020304" pitchFamily="18" charset="0"/>
               </a:rPr>
               <a:t> </a:t>
             </a:r>
             <a:r>
-              <a:rPr lang="en-GB" i="0" dirty="0" err="1">
+              <a:rPr lang="en-GB" i="0" err="1">
                 <a:effectLst/>
                 <a:latin typeface="Times New Roman" panose="02020603050405020304" pitchFamily="18" charset="0"/>
               </a:rPr>
               <a:t>Schutzmechanismen</a:t>
             </a:r>
             <a:r>
-              <a:rPr lang="en-GB" dirty="0">
+              <a:rPr lang="en-GB">
                 <a:latin typeface="Times New Roman" panose="02020603050405020304" pitchFamily="18" charset="0"/>
               </a:rPr>
               <a:t> </a:t>
             </a:r>
             <a:r>
-              <a:rPr lang="en-GB" i="0" dirty="0">
+              <a:rPr lang="en-GB" i="0">
                 <a:effectLst/>
                 <a:latin typeface="Times New Roman" panose="02020603050405020304" pitchFamily="18" charset="0"/>
               </a:rPr>
               <a:t>in Smart Home </a:t>
             </a:r>
             <a:r>
-              <a:rPr lang="en-GB" i="0" dirty="0" err="1">
+              <a:rPr lang="en-GB" i="0" err="1">
                 <a:effectLst/>
                 <a:latin typeface="Times New Roman" panose="02020603050405020304" pitchFamily="18" charset="0"/>
               </a:rPr>
               <a:t>Netzwerken</a:t>
             </a:r>
-            <a:endParaRPr lang="en-DE" dirty="0"/>
-          </a:p>
-          <a:p>
-            <a:endParaRPr lang="de-DE" dirty="0"/>
+            <a:endParaRPr lang="en-DE"/>
+          </a:p>
+          <a:p>
+            <a:endParaRPr lang="de-DE"/>
           </a:p>
         </p:txBody>
       </p:sp>
@@ -3805,7 +3812,7 @@
           <a:noFill/>
         </p:spPr>
         <p:txBody>
-          <a:bodyPr wrap="square" rtlCol="0">
+          <a:bodyPr wrap="square" lIns="91440" tIns="45720" rIns="91440" bIns="45720" rtlCol="0" anchor="t">
             <a:spAutoFit/>
           </a:bodyPr>
           <a:lstStyle/>
@@ -3815,13 +3822,16 @@
               <a:buChar char="•"/>
             </a:pPr>
             <a:r>
-              <a:rPr lang="en-DE" dirty="0"/>
+              <a:rPr lang="en-DE">
+                <a:latin typeface="Arial"/>
+                <a:cs typeface="Arial"/>
+              </a:rPr>
               <a:t>Einführung</a:t>
             </a:r>
             <a:br>
-              <a:rPr lang="en-DE" dirty="0"/>
+              <a:rPr lang="en-DE"/>
             </a:br>
-            <a:endParaRPr lang="en-DE" dirty="0"/>
+            <a:endParaRPr lang="en-DE"/>
           </a:p>
           <a:p>
             <a:pPr marL="285750" indent="-285750">
@@ -3829,13 +3839,13 @@
               <a:buChar char="•"/>
             </a:pPr>
             <a:r>
-              <a:rPr lang="en-DE" dirty="0"/>
+              <a:rPr lang="en-DE"/>
               <a:t>Schwerpunkt</a:t>
             </a:r>
             <a:br>
-              <a:rPr lang="en-DE" dirty="0"/>
+              <a:rPr lang="en-DE"/>
             </a:br>
-            <a:endParaRPr lang="en-DE" dirty="0"/>
+            <a:endParaRPr lang="en-DE"/>
           </a:p>
           <a:p>
             <a:pPr marL="285750" indent="-285750">
@@ -3843,13 +3853,13 @@
               <a:buChar char="•"/>
             </a:pPr>
             <a:r>
-              <a:rPr lang="en-DE" dirty="0"/>
+              <a:rPr lang="en-DE"/>
               <a:t>Arbeitsquellen</a:t>
             </a:r>
             <a:br>
-              <a:rPr lang="en-DE" dirty="0"/>
+              <a:rPr lang="en-DE"/>
             </a:br>
-            <a:endParaRPr lang="en-DE" dirty="0"/>
+            <a:endParaRPr lang="en-DE"/>
           </a:p>
           <a:p>
             <a:pPr marL="285750" indent="-285750">
@@ -3857,13 +3867,13 @@
               <a:buChar char="•"/>
             </a:pPr>
             <a:r>
-              <a:rPr lang="en-DE" dirty="0"/>
+              <a:rPr lang="en-DE"/>
               <a:t>Grundstruktur</a:t>
             </a:r>
             <a:br>
-              <a:rPr lang="en-DE" dirty="0"/>
+              <a:rPr lang="en-DE"/>
             </a:br>
-            <a:endParaRPr lang="en-DE" dirty="0"/>
+            <a:endParaRPr lang="en-DE"/>
           </a:p>
           <a:p>
             <a:pPr marL="285750" indent="-285750">
@@ -3871,7 +3881,7 @@
               <a:buChar char="•"/>
             </a:pPr>
             <a:r>
-              <a:rPr lang="en-DE" dirty="0"/>
+              <a:rPr lang="en-DE"/>
               <a:t>Projektplanung</a:t>
             </a:r>
           </a:p>
@@ -3969,7 +3979,7 @@
           <a:lstStyle/>
           <a:p>
             <a:r>
-              <a:rPr lang="en-DE" dirty="0"/>
+              <a:rPr lang="en-DE"/>
               <a:t>Einführung</a:t>
             </a:r>
           </a:p>
@@ -4003,64 +4013,64 @@
           <a:p>
             <a:pPr algn="ctr"/>
             <a:r>
-              <a:rPr lang="en-GB" i="0" dirty="0" err="1">
+              <a:rPr lang="en-GB" i="0" err="1">
                 <a:effectLst/>
                 <a:latin typeface="Times New Roman" panose="02020603050405020304" pitchFamily="18" charset="0"/>
               </a:rPr>
               <a:t>Untersuchung</a:t>
             </a:r>
             <a:r>
-              <a:rPr lang="en-GB" i="0" dirty="0">
+              <a:rPr lang="en-GB" i="0">
                 <a:effectLst/>
                 <a:latin typeface="Times New Roman" panose="02020603050405020304" pitchFamily="18" charset="0"/>
               </a:rPr>
               <a:t> der </a:t>
             </a:r>
             <a:r>
-              <a:rPr lang="en-GB" i="0" dirty="0" err="1">
+              <a:rPr lang="en-GB" i="0" err="1">
                 <a:effectLst/>
                 <a:latin typeface="Times New Roman" panose="02020603050405020304" pitchFamily="18" charset="0"/>
               </a:rPr>
               <a:t>verschieden</a:t>
             </a:r>
             <a:r>
-              <a:rPr lang="en-GB" i="0" dirty="0">
+              <a:rPr lang="en-GB" i="0">
                 <a:effectLst/>
                 <a:latin typeface="Times New Roman" panose="02020603050405020304" pitchFamily="18" charset="0"/>
               </a:rPr>
               <a:t> </a:t>
             </a:r>
             <a:r>
-              <a:rPr lang="en-GB" i="0" dirty="0" err="1">
+              <a:rPr lang="en-GB" i="0" err="1">
                 <a:effectLst/>
                 <a:latin typeface="Times New Roman" panose="02020603050405020304" pitchFamily="18" charset="0"/>
               </a:rPr>
               <a:t>Schutzmechanismen</a:t>
             </a:r>
             <a:r>
-              <a:rPr lang="en-GB" dirty="0">
+              <a:rPr lang="en-GB">
                 <a:latin typeface="Times New Roman" panose="02020603050405020304" pitchFamily="18" charset="0"/>
               </a:rPr>
               <a:t> </a:t>
             </a:r>
             <a:r>
-              <a:rPr lang="en-GB" i="0" dirty="0">
+              <a:rPr lang="en-GB" i="0">
                 <a:effectLst/>
                 <a:latin typeface="Times New Roman" panose="02020603050405020304" pitchFamily="18" charset="0"/>
               </a:rPr>
               <a:t>in Smart Home </a:t>
             </a:r>
             <a:r>
-              <a:rPr lang="en-GB" i="0" dirty="0" err="1">
+              <a:rPr lang="en-GB" i="0" err="1">
                 <a:effectLst/>
                 <a:latin typeface="Times New Roman" panose="02020603050405020304" pitchFamily="18" charset="0"/>
               </a:rPr>
               <a:t>Netzwerken</a:t>
             </a:r>
-            <a:endParaRPr lang="en-DE" dirty="0"/>
-          </a:p>
-          <a:p>
-            <a:endParaRPr lang="de-DE" dirty="0"/>
+            <a:endParaRPr lang="en-DE"/>
+          </a:p>
+          <a:p>
+            <a:endParaRPr lang="de-DE"/>
           </a:p>
         </p:txBody>
       </p:sp>
@@ -4097,7 +4107,7 @@
               <a:buChar char="•"/>
             </a:pPr>
             <a:r>
-              <a:rPr lang="en-GB" b="0" i="0" dirty="0">
+              <a:rPr lang="en-GB" b="0" i="0">
                 <a:solidFill>
                   <a:srgbClr val="000000"/>
                 </a:solidFill>
@@ -4107,7 +4117,7 @@
               <a:t>Definition von IoT (Internet of Things)</a:t>
             </a:r>
             <a:br>
-              <a:rPr lang="en-GB" b="0" i="0" dirty="0">
+              <a:rPr lang="en-GB" b="0" i="0">
                 <a:solidFill>
                   <a:srgbClr val="000000"/>
                 </a:solidFill>
@@ -4116,7 +4126,7 @@
               </a:rPr>
             </a:br>
             <a:r>
-              <a:rPr lang="en-GB" sz="1400" dirty="0">
+              <a:rPr lang="en-GB" sz="1400">
                 <a:solidFill>
                   <a:srgbClr val="003366"/>
                 </a:solidFill>
@@ -4125,7 +4135,7 @@
               <a:t>E</a:t>
             </a:r>
             <a:r>
-              <a:rPr lang="en-GB" sz="1400" b="0" i="0" dirty="0">
+              <a:rPr lang="en-GB" sz="1400" b="0" i="0">
                 <a:solidFill>
                   <a:srgbClr val="003366"/>
                 </a:solidFill>
@@ -4135,7 +4145,7 @@
               <a:t>ine </a:t>
             </a:r>
             <a:r>
-              <a:rPr lang="en-GB" sz="1400" b="0" i="0" dirty="0" err="1">
+              <a:rPr lang="en-GB" sz="1400" b="0" i="0" err="1">
                 <a:solidFill>
                   <a:srgbClr val="003366"/>
                 </a:solidFill>
@@ -4145,7 +4155,7 @@
               <a:t>Netzwerkstruktur</a:t>
             </a:r>
             <a:r>
-              <a:rPr lang="en-GB" sz="1400" dirty="0">
+              <a:rPr lang="en-GB" sz="1400">
                 <a:solidFill>
                   <a:srgbClr val="003366"/>
                 </a:solidFill>
@@ -4154,7 +4164,7 @@
               <a:t>, in der </a:t>
             </a:r>
             <a:r>
-              <a:rPr lang="en-GB" sz="1400" dirty="0" err="1">
+              <a:rPr lang="en-GB" sz="1400" err="1">
                 <a:solidFill>
                   <a:srgbClr val="003366"/>
                 </a:solidFill>
@@ -4163,7 +4173,7 @@
               <a:t>physische</a:t>
             </a:r>
             <a:r>
-              <a:rPr lang="en-GB" sz="1400" dirty="0">
+              <a:rPr lang="en-GB" sz="1400">
                 <a:solidFill>
                   <a:srgbClr val="003366"/>
                 </a:solidFill>
@@ -4172,7 +4182,7 @@
               <a:t> </a:t>
             </a:r>
             <a:r>
-              <a:rPr lang="en-GB" sz="1400" dirty="0" err="1">
+              <a:rPr lang="en-GB" sz="1400" err="1">
                 <a:solidFill>
                   <a:srgbClr val="003366"/>
                 </a:solidFill>
@@ -4181,7 +4191,7 @@
               <a:t>Geräte</a:t>
             </a:r>
             <a:r>
-              <a:rPr lang="en-GB" sz="1400" dirty="0">
+              <a:rPr lang="en-GB" sz="1400">
                 <a:solidFill>
                   <a:srgbClr val="003366"/>
                 </a:solidFill>
@@ -4190,7 +4200,7 @@
               <a:t>, </a:t>
             </a:r>
             <a:r>
-              <a:rPr lang="en-GB" sz="1400" dirty="0" err="1">
+              <a:rPr lang="en-GB" sz="1400" err="1">
                 <a:solidFill>
                   <a:srgbClr val="003366"/>
                 </a:solidFill>
@@ -4199,7 +4209,7 @@
               <a:t>Fahrzeuge</a:t>
             </a:r>
             <a:r>
-              <a:rPr lang="en-GB" sz="1400" dirty="0">
+              <a:rPr lang="en-GB" sz="1400">
                 <a:solidFill>
                   <a:srgbClr val="003366"/>
                 </a:solidFill>
@@ -4208,7 +4218,7 @@
               <a:t> und </a:t>
             </a:r>
             <a:r>
-              <a:rPr lang="en-GB" sz="1400" dirty="0" err="1">
+              <a:rPr lang="en-GB" sz="1400" err="1">
                 <a:solidFill>
                   <a:srgbClr val="003366"/>
                 </a:solidFill>
@@ -4217,7 +4227,7 @@
               <a:t>andere</a:t>
             </a:r>
             <a:r>
-              <a:rPr lang="en-GB" sz="1400" dirty="0">
+              <a:rPr lang="en-GB" sz="1400">
                 <a:solidFill>
                   <a:srgbClr val="003366"/>
                 </a:solidFill>
@@ -4226,7 +4236,7 @@
               <a:t> </a:t>
             </a:r>
             <a:r>
-              <a:rPr lang="en-GB" sz="1400" dirty="0" err="1">
+              <a:rPr lang="en-GB" sz="1400" err="1">
                 <a:solidFill>
                   <a:srgbClr val="003366"/>
                 </a:solidFill>
@@ -4235,7 +4245,7 @@
               <a:t>Gegenstände</a:t>
             </a:r>
             <a:r>
-              <a:rPr lang="en-GB" sz="1400" dirty="0">
+              <a:rPr lang="en-GB" sz="1400">
                 <a:solidFill>
                   <a:srgbClr val="003366"/>
                 </a:solidFill>
@@ -4244,7 +4254,7 @@
               <a:t> </a:t>
             </a:r>
             <a:r>
-              <a:rPr lang="en-GB" sz="1400" dirty="0" err="1">
+              <a:rPr lang="en-GB" sz="1400" err="1">
                 <a:solidFill>
                   <a:srgbClr val="003366"/>
                 </a:solidFill>
@@ -4253,7 +4263,7 @@
               <a:t>über</a:t>
             </a:r>
             <a:r>
-              <a:rPr lang="en-GB" sz="1400" dirty="0">
+              <a:rPr lang="en-GB" sz="1400">
                 <a:solidFill>
                   <a:srgbClr val="003366"/>
                 </a:solidFill>
@@ -4262,7 +4272,7 @@
               <a:t> das Internet </a:t>
             </a:r>
             <a:r>
-              <a:rPr lang="en-GB" sz="1400" dirty="0" err="1">
+              <a:rPr lang="en-GB" sz="1400" err="1">
                 <a:solidFill>
                   <a:srgbClr val="003366"/>
                 </a:solidFill>
@@ -4271,7 +4281,7 @@
               <a:t>verbunden</a:t>
             </a:r>
             <a:r>
-              <a:rPr lang="en-GB" sz="1400" dirty="0">
+              <a:rPr lang="en-GB" sz="1400">
                 <a:solidFill>
                   <a:srgbClr val="003366"/>
                 </a:solidFill>
@@ -4280,7 +4290,7 @@
               <a:t> und </a:t>
             </a:r>
             <a:r>
-              <a:rPr lang="en-GB" sz="1400" dirty="0" err="1">
+              <a:rPr lang="en-GB" sz="1400" err="1">
                 <a:solidFill>
                   <a:srgbClr val="003366"/>
                 </a:solidFill>
@@ -4289,7 +4299,7 @@
               <a:t>vernetzet</a:t>
             </a:r>
             <a:r>
-              <a:rPr lang="en-GB" sz="1400" dirty="0">
+              <a:rPr lang="en-GB" sz="1400">
                 <a:solidFill>
                   <a:srgbClr val="003366"/>
                 </a:solidFill>
@@ -4298,7 +4308,7 @@
               <a:t> </a:t>
             </a:r>
             <a:r>
-              <a:rPr lang="en-GB" sz="1400" dirty="0" err="1">
+              <a:rPr lang="en-GB" sz="1400" err="1">
                 <a:solidFill>
                   <a:srgbClr val="003366"/>
                 </a:solidFill>
@@ -4307,7 +4317,7 @@
               <a:t>sind</a:t>
             </a:r>
             <a:r>
-              <a:rPr lang="en-GB" sz="1400" dirty="0">
+              <a:rPr lang="en-GB" sz="1400">
                 <a:solidFill>
                   <a:srgbClr val="003366"/>
                 </a:solidFill>
@@ -4318,7 +4328,7 @@
           </a:p>
           <a:p>
             <a:r>
-              <a:rPr lang="en-GB" sz="1400" dirty="0">
+              <a:rPr lang="en-GB" sz="1400">
                 <a:solidFill>
                   <a:srgbClr val="003366"/>
                 </a:solidFill>
@@ -4327,7 +4337,7 @@
               <a:t>       um </a:t>
             </a:r>
             <a:r>
-              <a:rPr lang="en-GB" sz="1400" dirty="0" err="1">
+              <a:rPr lang="en-GB" sz="1400" err="1">
                 <a:solidFill>
                   <a:srgbClr val="003366"/>
                 </a:solidFill>
@@ -4336,7 +4346,7 @@
               <a:t>Daten</a:t>
             </a:r>
             <a:r>
-              <a:rPr lang="en-GB" sz="1400" dirty="0">
+              <a:rPr lang="en-GB" sz="1400">
                 <a:solidFill>
                   <a:srgbClr val="003366"/>
                 </a:solidFill>
@@ -4345,7 +4355,7 @@
               <a:t> </a:t>
             </a:r>
             <a:r>
-              <a:rPr lang="en-GB" sz="1400" dirty="0" err="1">
+              <a:rPr lang="en-GB" sz="1400" err="1">
                 <a:solidFill>
                   <a:srgbClr val="003366"/>
                 </a:solidFill>
@@ -4354,7 +4364,7 @@
               <a:t>zu</a:t>
             </a:r>
             <a:r>
-              <a:rPr lang="en-GB" sz="1400" dirty="0">
+              <a:rPr lang="en-GB" sz="1400">
                 <a:solidFill>
                   <a:srgbClr val="003366"/>
                 </a:solidFill>
@@ -4363,7 +4373,7 @@
               <a:t> </a:t>
             </a:r>
             <a:r>
-              <a:rPr lang="en-GB" sz="1400" dirty="0" err="1">
+              <a:rPr lang="en-GB" sz="1400" err="1">
                 <a:solidFill>
                   <a:srgbClr val="003366"/>
                 </a:solidFill>
@@ -4372,7 +4382,7 @@
               <a:t>sammeln</a:t>
             </a:r>
             <a:r>
-              <a:rPr lang="en-GB" sz="1400" dirty="0">
+              <a:rPr lang="en-GB" sz="1400">
                 <a:solidFill>
                   <a:srgbClr val="003366"/>
                 </a:solidFill>
@@ -4381,7 +4391,7 @@
               <a:t> und </a:t>
             </a:r>
             <a:r>
-              <a:rPr lang="en-GB" sz="1400" dirty="0" err="1">
+              <a:rPr lang="en-GB" sz="1400" err="1">
                 <a:solidFill>
                   <a:srgbClr val="003366"/>
                 </a:solidFill>
@@ -4390,7 +4400,7 @@
               <a:t>auszutauschen</a:t>
             </a:r>
             <a:r>
-              <a:rPr lang="en-GB" sz="1400" dirty="0">
+              <a:rPr lang="en-GB" sz="1400">
                 <a:solidFill>
                   <a:srgbClr val="003366"/>
                 </a:solidFill>
@@ -4399,7 +4409,7 @@
               <a:t>.</a:t>
             </a:r>
             <a:br>
-              <a:rPr lang="en-GB" sz="1100" b="0" i="0" dirty="0">
+              <a:rPr lang="en-GB" sz="1100" b="0" i="0">
                 <a:solidFill>
                   <a:srgbClr val="000000"/>
                 </a:solidFill>
@@ -4408,7 +4418,7 @@
               </a:rPr>
             </a:br>
             <a:br>
-              <a:rPr lang="en-GB" sz="1100" b="0" i="0" dirty="0">
+              <a:rPr lang="en-GB" sz="1100" b="0" i="0">
                 <a:solidFill>
                   <a:srgbClr val="000000"/>
                 </a:solidFill>
@@ -4416,7 +4426,7 @@
                 <a:latin typeface="Söhne"/>
               </a:rPr>
             </a:br>
-            <a:endParaRPr lang="en-GB" sz="1100" b="0" i="0" dirty="0">
+            <a:endParaRPr lang="en-GB" sz="1100" b="0" i="0">
               <a:solidFill>
                 <a:srgbClr val="000000"/>
               </a:solidFill>
@@ -4425,7 +4435,7 @@
             </a:endParaRPr>
           </a:p>
           <a:p>
-            <a:endParaRPr lang="en-GB" dirty="0">
+            <a:endParaRPr lang="en-GB">
               <a:solidFill>
                 <a:srgbClr val="000000"/>
               </a:solidFill>
@@ -4523,7 +4533,7 @@
           <a:lstStyle/>
           <a:p>
             <a:r>
-              <a:rPr lang="en-DE" dirty="0"/>
+              <a:rPr lang="en-DE"/>
               <a:t>Schwerpunkt</a:t>
             </a:r>
           </a:p>
@@ -4562,55 +4572,55 @@
               <a:buChar char="•"/>
             </a:pPr>
             <a:r>
-              <a:rPr lang="en-GB" sz="1800" b="0" i="0" dirty="0" err="1">
+              <a:rPr lang="en-GB" sz="1800" b="0" i="0" err="1">
                 <a:effectLst/>
                 <a:latin typeface="Söhne"/>
               </a:rPr>
               <a:t>Potenzielle</a:t>
             </a:r>
             <a:r>
-              <a:rPr lang="en-GB" sz="1800" b="0" i="0" dirty="0">
+              <a:rPr lang="en-GB" sz="1800" b="0" i="0">
                 <a:effectLst/>
                 <a:latin typeface="Söhne"/>
               </a:rPr>
               <a:t> </a:t>
             </a:r>
             <a:r>
-              <a:rPr lang="en-GB" sz="1800" b="0" i="0" dirty="0" err="1">
+              <a:rPr lang="en-GB" sz="1800" b="0" i="0" err="1">
                 <a:effectLst/>
                 <a:latin typeface="Söhne"/>
               </a:rPr>
               <a:t>Risiken</a:t>
             </a:r>
             <a:r>
-              <a:rPr lang="en-GB" sz="1800" b="0" i="0" dirty="0">
+              <a:rPr lang="en-GB" sz="1800" b="0" i="0">
                 <a:effectLst/>
                 <a:latin typeface="Söhne"/>
               </a:rPr>
               <a:t> und </a:t>
             </a:r>
             <a:r>
-              <a:rPr lang="en-GB" sz="1800" b="0" i="0" dirty="0" err="1">
+              <a:rPr lang="en-GB" sz="1800" b="0" i="0" err="1">
                 <a:effectLst/>
                 <a:latin typeface="Söhne"/>
               </a:rPr>
               <a:t>Bedrohungen</a:t>
             </a:r>
             <a:r>
-              <a:rPr lang="en-GB" sz="1800" b="0" i="0" dirty="0">
+              <a:rPr lang="en-GB" sz="1800" b="0" i="0">
                 <a:effectLst/>
                 <a:latin typeface="Söhne"/>
               </a:rPr>
               <a:t> für Smart Home-</a:t>
             </a:r>
             <a:r>
-              <a:rPr lang="en-GB" sz="1800" b="0" i="0" dirty="0" err="1">
+              <a:rPr lang="en-GB" sz="1800" b="0" i="0" err="1">
                 <a:effectLst/>
                 <a:latin typeface="Söhne"/>
               </a:rPr>
               <a:t>Netzwerke</a:t>
             </a:r>
-            <a:endParaRPr lang="en-GB" sz="1800" dirty="0">
+            <a:endParaRPr lang="en-GB" sz="1800">
               <a:latin typeface="Söhne"/>
             </a:endParaRPr>
           </a:p>
@@ -4620,76 +4630,76 @@
               <a:buChar char="•"/>
             </a:pPr>
             <a:r>
-              <a:rPr lang="en-GB" sz="1800" b="0" i="0" dirty="0" err="1">
+              <a:rPr lang="en-GB" sz="1800" b="0" i="0" err="1">
                 <a:effectLst/>
                 <a:latin typeface="Söhne"/>
               </a:rPr>
               <a:t>Notwendigkeit</a:t>
             </a:r>
             <a:r>
-              <a:rPr lang="en-GB" sz="1800" b="0" i="0" dirty="0">
+              <a:rPr lang="en-GB" sz="1800" b="0" i="0">
                 <a:effectLst/>
                 <a:latin typeface="Söhne"/>
               </a:rPr>
               <a:t> von </a:t>
             </a:r>
             <a:r>
-              <a:rPr lang="en-GB" sz="1800" b="0" i="0" dirty="0" err="1">
+              <a:rPr lang="en-GB" sz="1800" b="0" i="0" err="1">
                 <a:effectLst/>
                 <a:latin typeface="Söhne"/>
               </a:rPr>
               <a:t>Schutzmechanismen</a:t>
             </a:r>
             <a:r>
-              <a:rPr lang="en-GB" sz="1800" b="0" i="0" dirty="0">
+              <a:rPr lang="en-GB" sz="1800" b="0" i="0">
                 <a:effectLst/>
                 <a:latin typeface="Söhne"/>
               </a:rPr>
               <a:t> </a:t>
             </a:r>
             <a:r>
-              <a:rPr lang="en-GB" sz="1800" b="0" i="0" dirty="0" err="1">
+              <a:rPr lang="en-GB" sz="1800" b="0" i="0" err="1">
                 <a:effectLst/>
                 <a:latin typeface="Söhne"/>
               </a:rPr>
               <a:t>zur</a:t>
             </a:r>
             <a:r>
-              <a:rPr lang="en-GB" sz="1800" b="0" i="0" dirty="0">
+              <a:rPr lang="en-GB" sz="1800" b="0" i="0">
                 <a:effectLst/>
                 <a:latin typeface="Söhne"/>
               </a:rPr>
               <a:t> </a:t>
             </a:r>
             <a:r>
-              <a:rPr lang="en-GB" sz="1800" b="0" i="0" dirty="0" err="1">
+              <a:rPr lang="en-GB" sz="1800" b="0" i="0" err="1">
                 <a:effectLst/>
                 <a:latin typeface="Söhne"/>
               </a:rPr>
               <a:t>Sicherung</a:t>
             </a:r>
             <a:r>
-              <a:rPr lang="en-GB" sz="1800" b="0" i="0" dirty="0">
+              <a:rPr lang="en-GB" sz="1800" b="0" i="0">
                 <a:effectLst/>
                 <a:latin typeface="Söhne"/>
               </a:rPr>
               <a:t> von Smart Home-</a:t>
             </a:r>
             <a:r>
-              <a:rPr lang="en-GB" sz="1800" b="0" i="0" dirty="0" err="1">
+              <a:rPr lang="en-GB" sz="1800" b="0" i="0" err="1">
                 <a:effectLst/>
                 <a:latin typeface="Söhne"/>
               </a:rPr>
               <a:t>Netzwerken</a:t>
             </a:r>
             <a:br>
-              <a:rPr lang="en-GB" sz="1800" b="0" i="0" dirty="0">
+              <a:rPr lang="en-GB" sz="1800" b="0" i="0">
                 <a:effectLst/>
                 <a:latin typeface="Söhne"/>
               </a:rPr>
             </a:br>
             <a:r>
-              <a:rPr lang="en-GB" sz="1400" b="0" i="0" dirty="0" err="1">
+              <a:rPr lang="en-GB" sz="1400" b="0" i="0" err="1">
                 <a:solidFill>
                   <a:srgbClr val="003366"/>
                 </a:solidFill>
@@ -4699,7 +4709,7 @@
               <a:t>Verschlüsselung</a:t>
             </a:r>
             <a:r>
-              <a:rPr lang="en-GB" sz="1400" b="0" i="0" dirty="0">
+              <a:rPr lang="en-GB" sz="1400" b="0" i="0">
                 <a:solidFill>
                   <a:srgbClr val="003366"/>
                 </a:solidFill>
@@ -4709,7 +4719,7 @@
               <a:t>, Firewalls, Antivirus-Software und </a:t>
             </a:r>
             <a:r>
-              <a:rPr lang="en-GB" sz="1400" b="0" i="0" dirty="0" err="1">
+              <a:rPr lang="en-GB" sz="1400" b="0" i="0" err="1">
                 <a:solidFill>
                   <a:srgbClr val="003366"/>
                 </a:solidFill>
@@ -4719,7 +4729,7 @@
               <a:t>regelmäßige</a:t>
             </a:r>
             <a:r>
-              <a:rPr lang="en-GB" sz="1400" b="0" i="0" dirty="0">
+              <a:rPr lang="en-GB" sz="1400" b="0" i="0">
                 <a:solidFill>
                   <a:srgbClr val="003366"/>
                 </a:solidFill>
@@ -4730,12 +4740,12 @@
             </a:r>
           </a:p>
           <a:p>
-            <a:endParaRPr lang="en-DE" sz="1400" dirty="0">
+            <a:endParaRPr lang="en-DE" sz="1400">
               <a:latin typeface="Söhne"/>
             </a:endParaRPr>
           </a:p>
           <a:p>
-            <a:endParaRPr lang="en-GB" sz="1400" dirty="0">
+            <a:endParaRPr lang="en-GB" sz="1400">
               <a:latin typeface="Söhne"/>
             </a:endParaRPr>
           </a:p>
@@ -4769,64 +4779,64 @@
           <a:p>
             <a:pPr algn="ctr"/>
             <a:r>
-              <a:rPr lang="en-GB" sz="1000" i="0" dirty="0" err="1">
+              <a:rPr lang="en-GB" sz="1000" i="0" err="1">
                 <a:effectLst/>
                 <a:latin typeface="Times New Roman" panose="02020603050405020304" pitchFamily="18" charset="0"/>
               </a:rPr>
               <a:t>Untersuchung</a:t>
             </a:r>
             <a:r>
-              <a:rPr lang="en-GB" sz="1000" i="0" dirty="0">
+              <a:rPr lang="en-GB" sz="1000" i="0">
                 <a:effectLst/>
                 <a:latin typeface="Times New Roman" panose="02020603050405020304" pitchFamily="18" charset="0"/>
               </a:rPr>
               <a:t> der </a:t>
             </a:r>
             <a:r>
-              <a:rPr lang="en-GB" sz="1000" i="0" dirty="0" err="1">
+              <a:rPr lang="en-GB" sz="1000" i="0" err="1">
                 <a:effectLst/>
                 <a:latin typeface="Times New Roman" panose="02020603050405020304" pitchFamily="18" charset="0"/>
               </a:rPr>
               <a:t>verschieden</a:t>
             </a:r>
             <a:r>
-              <a:rPr lang="en-GB" sz="1000" i="0" dirty="0">
+              <a:rPr lang="en-GB" sz="1000" i="0">
                 <a:effectLst/>
                 <a:latin typeface="Times New Roman" panose="02020603050405020304" pitchFamily="18" charset="0"/>
               </a:rPr>
               <a:t> </a:t>
             </a:r>
             <a:r>
-              <a:rPr lang="en-GB" sz="1000" i="0" dirty="0" err="1">
+              <a:rPr lang="en-GB" sz="1000" i="0" err="1">
                 <a:effectLst/>
                 <a:latin typeface="Times New Roman" panose="02020603050405020304" pitchFamily="18" charset="0"/>
               </a:rPr>
               <a:t>Schutzmechanismen</a:t>
             </a:r>
             <a:r>
-              <a:rPr lang="en-GB" sz="1000" dirty="0">
+              <a:rPr lang="en-GB" sz="1000">
                 <a:latin typeface="Times New Roman" panose="02020603050405020304" pitchFamily="18" charset="0"/>
               </a:rPr>
               <a:t> </a:t>
             </a:r>
             <a:r>
-              <a:rPr lang="en-GB" sz="1000" i="0" dirty="0">
+              <a:rPr lang="en-GB" sz="1000" i="0">
                 <a:effectLst/>
                 <a:latin typeface="Times New Roman" panose="02020603050405020304" pitchFamily="18" charset="0"/>
               </a:rPr>
               <a:t>in Smart Home </a:t>
             </a:r>
             <a:r>
-              <a:rPr lang="en-GB" sz="1000" i="0" dirty="0" err="1">
+              <a:rPr lang="en-GB" sz="1000" i="0" err="1">
                 <a:effectLst/>
                 <a:latin typeface="Times New Roman" panose="02020603050405020304" pitchFamily="18" charset="0"/>
               </a:rPr>
               <a:t>Netzwerken</a:t>
             </a:r>
-            <a:endParaRPr lang="en-DE" sz="1000" dirty="0"/>
-          </a:p>
-          <a:p>
-            <a:endParaRPr lang="de-DE" sz="1000" dirty="0"/>
+            <a:endParaRPr lang="en-DE" sz="1000"/>
+          </a:p>
+          <a:p>
+            <a:endParaRPr lang="de-DE" sz="1000"/>
           </a:p>
         </p:txBody>
       </p:sp>
@@ -4845,7 +4855,7 @@
           <p:nvPr/>
         </p:nvPicPr>
         <p:blipFill>
-          <a:blip r:embed="rId2">
+          <a:blip r:embed="rId2" cstate="print">
             <a:extLst>
               <a:ext uri="{28A0092B-C50C-407E-A947-70E740481C1C}">
                 <a14:useLocalDpi xmlns:a14="http://schemas.microsoft.com/office/drawing/2010/main" val="0"/>
@@ -4858,7 +4868,7 @@
         </p:blipFill>
         <p:spPr>
           <a:xfrm>
-            <a:off x="1754398" y="2159000"/>
+            <a:off x="1890469" y="2041071"/>
             <a:ext cx="4826000" cy="2654300"/>
           </a:xfrm>
           <a:prstGeom prst="rect">
@@ -4926,7 +4936,7 @@
           <a:lstStyle/>
           <a:p>
             <a:r>
-              <a:rPr lang="en-DE" dirty="0"/>
+              <a:rPr lang="en-DE"/>
               <a:t>Arbeitsquellen</a:t>
             </a:r>
           </a:p>
@@ -4960,64 +4970,64 @@
           <a:p>
             <a:pPr algn="ctr"/>
             <a:r>
-              <a:rPr lang="en-GB" sz="1000" i="0" dirty="0" err="1">
+              <a:rPr lang="en-GB" sz="1000" i="0" err="1">
                 <a:effectLst/>
                 <a:latin typeface="Times New Roman" panose="02020603050405020304" pitchFamily="18" charset="0"/>
               </a:rPr>
               <a:t>Untersuchung</a:t>
             </a:r>
             <a:r>
-              <a:rPr lang="en-GB" sz="1000" i="0" dirty="0">
+              <a:rPr lang="en-GB" sz="1000" i="0">
                 <a:effectLst/>
                 <a:latin typeface="Times New Roman" panose="02020603050405020304" pitchFamily="18" charset="0"/>
               </a:rPr>
               <a:t> der </a:t>
             </a:r>
             <a:r>
-              <a:rPr lang="en-GB" sz="1000" i="0" dirty="0" err="1">
+              <a:rPr lang="en-GB" sz="1000" i="0" err="1">
                 <a:effectLst/>
                 <a:latin typeface="Times New Roman" panose="02020603050405020304" pitchFamily="18" charset="0"/>
               </a:rPr>
               <a:t>verschieden</a:t>
             </a:r>
             <a:r>
-              <a:rPr lang="en-GB" sz="1000" i="0" dirty="0">
+              <a:rPr lang="en-GB" sz="1000" i="0">
                 <a:effectLst/>
                 <a:latin typeface="Times New Roman" panose="02020603050405020304" pitchFamily="18" charset="0"/>
               </a:rPr>
               <a:t> </a:t>
             </a:r>
             <a:r>
-              <a:rPr lang="en-GB" sz="1000" i="0" dirty="0" err="1">
+              <a:rPr lang="en-GB" sz="1000" i="0" err="1">
                 <a:effectLst/>
                 <a:latin typeface="Times New Roman" panose="02020603050405020304" pitchFamily="18" charset="0"/>
               </a:rPr>
               <a:t>Schutzmechanismen</a:t>
             </a:r>
             <a:r>
-              <a:rPr lang="en-GB" sz="1000" dirty="0">
+              <a:rPr lang="en-GB" sz="1000">
                 <a:latin typeface="Times New Roman" panose="02020603050405020304" pitchFamily="18" charset="0"/>
               </a:rPr>
               <a:t> </a:t>
             </a:r>
             <a:r>
-              <a:rPr lang="en-GB" sz="1000" i="0" dirty="0">
+              <a:rPr lang="en-GB" sz="1000" i="0">
                 <a:effectLst/>
                 <a:latin typeface="Times New Roman" panose="02020603050405020304" pitchFamily="18" charset="0"/>
               </a:rPr>
               <a:t>in Smart Home </a:t>
             </a:r>
             <a:r>
-              <a:rPr lang="en-GB" sz="1000" i="0" dirty="0" err="1">
+              <a:rPr lang="en-GB" sz="1000" i="0" err="1">
                 <a:effectLst/>
                 <a:latin typeface="Times New Roman" panose="02020603050405020304" pitchFamily="18" charset="0"/>
               </a:rPr>
               <a:t>Netzwerken</a:t>
             </a:r>
-            <a:endParaRPr lang="en-DE" sz="1000" dirty="0"/>
-          </a:p>
-          <a:p>
-            <a:endParaRPr lang="de-DE" sz="1000" dirty="0"/>
+            <a:endParaRPr lang="en-DE" sz="1000"/>
+          </a:p>
+          <a:p>
+            <a:endParaRPr lang="de-DE" sz="1000"/>
           </a:p>
         </p:txBody>
       </p:sp>
@@ -5043,8 +5053,8 @@
         </p:blipFill>
         <p:spPr>
           <a:xfrm>
-            <a:off x="0" y="1189161"/>
-            <a:ext cx="5976938" cy="3768039"/>
+            <a:off x="0" y="1193494"/>
+            <a:ext cx="5976938" cy="3763706"/>
           </a:xfrm>
           <a:prstGeom prst="rect">
             <a:avLst/>
@@ -5140,7 +5150,7 @@
           <a:lstStyle/>
           <a:p>
             <a:r>
-              <a:rPr lang="en-DE" dirty="0"/>
+              <a:rPr lang="en-DE"/>
               <a:t>Grundstruktur </a:t>
             </a:r>
           </a:p>
@@ -5209,64 +5219,64 @@
           <a:p>
             <a:pPr algn="ctr"/>
             <a:r>
-              <a:rPr lang="en-GB" sz="1000" i="0" dirty="0" err="1">
+              <a:rPr lang="en-GB" sz="1000" i="0" err="1">
                 <a:effectLst/>
                 <a:latin typeface="Times New Roman" panose="02020603050405020304" pitchFamily="18" charset="0"/>
               </a:rPr>
               <a:t>Untersuchung</a:t>
             </a:r>
             <a:r>
-              <a:rPr lang="en-GB" sz="1000" i="0" dirty="0">
+              <a:rPr lang="en-GB" sz="1000" i="0">
                 <a:effectLst/>
                 <a:latin typeface="Times New Roman" panose="02020603050405020304" pitchFamily="18" charset="0"/>
               </a:rPr>
               <a:t> der </a:t>
             </a:r>
             <a:r>
-              <a:rPr lang="en-GB" sz="1000" i="0" dirty="0" err="1">
+              <a:rPr lang="en-GB" sz="1000" i="0" err="1">
                 <a:effectLst/>
                 <a:latin typeface="Times New Roman" panose="02020603050405020304" pitchFamily="18" charset="0"/>
               </a:rPr>
               <a:t>verschieden</a:t>
             </a:r>
             <a:r>
-              <a:rPr lang="en-GB" sz="1000" i="0" dirty="0">
+              <a:rPr lang="en-GB" sz="1000" i="0">
                 <a:effectLst/>
                 <a:latin typeface="Times New Roman" panose="02020603050405020304" pitchFamily="18" charset="0"/>
               </a:rPr>
               <a:t> </a:t>
             </a:r>
             <a:r>
-              <a:rPr lang="en-GB" sz="1000" i="0" dirty="0" err="1">
+              <a:rPr lang="en-GB" sz="1000" i="0" err="1">
                 <a:effectLst/>
                 <a:latin typeface="Times New Roman" panose="02020603050405020304" pitchFamily="18" charset="0"/>
               </a:rPr>
               <a:t>Schutzmechanismen</a:t>
             </a:r>
             <a:r>
-              <a:rPr lang="en-GB" sz="1000" dirty="0">
+              <a:rPr lang="en-GB" sz="1000">
                 <a:latin typeface="Times New Roman" panose="02020603050405020304" pitchFamily="18" charset="0"/>
               </a:rPr>
               <a:t> </a:t>
             </a:r>
             <a:r>
-              <a:rPr lang="en-GB" sz="1000" i="0" dirty="0">
+              <a:rPr lang="en-GB" sz="1000" i="0">
                 <a:effectLst/>
                 <a:latin typeface="Times New Roman" panose="02020603050405020304" pitchFamily="18" charset="0"/>
               </a:rPr>
               <a:t>in Smart Home </a:t>
             </a:r>
             <a:r>
-              <a:rPr lang="en-GB" sz="1000" i="0" dirty="0" err="1">
+              <a:rPr lang="en-GB" sz="1000" i="0" err="1">
                 <a:effectLst/>
                 <a:latin typeface="Times New Roman" panose="02020603050405020304" pitchFamily="18" charset="0"/>
               </a:rPr>
               <a:t>Netzwerken</a:t>
             </a:r>
-            <a:endParaRPr lang="en-DE" sz="1000" dirty="0"/>
-          </a:p>
-          <a:p>
-            <a:endParaRPr lang="de-DE" sz="1000" dirty="0"/>
+            <a:endParaRPr lang="en-DE" sz="1000"/>
+          </a:p>
+          <a:p>
+            <a:endParaRPr lang="de-DE" sz="1000"/>
           </a:p>
         </p:txBody>
       </p:sp>
@@ -5285,7 +5295,7 @@
           <p:nvPr/>
         </p:nvPicPr>
         <p:blipFill>
-          <a:blip r:embed="rId3">
+          <a:blip r:embed="rId3" cstate="print">
             <a:extLst>
               <a:ext uri="{28A0092B-C50C-407E-A947-70E740481C1C}">
                 <a14:useLocalDpi xmlns:a14="http://schemas.microsoft.com/office/drawing/2010/main" val="0"/>
@@ -5359,49 +5369,44 @@
           <a:lstStyle/>
           <a:p>
             <a:r>
-              <a:rPr lang="en-DE" dirty="0"/>
-              <a:t>Projektplanung</a:t>
-            </a:r>
+              <a:rPr lang="en-DE"/>
+              <a:t>Weitere Planung </a:t>
+            </a:r>
+            <a:endParaRPr lang="de-DE">
+              <a:cs typeface="Arial"/>
+            </a:endParaRPr>
           </a:p>
         </p:txBody>
       </p:sp>
-      <p:sp>
-        <p:nvSpPr>
-          <p:cNvPr id="3" name="Content Placeholder 2">
+      <p:pic>
+        <p:nvPicPr>
+          <p:cNvPr id="7" name="Inhaltsplatzhalter 6">
             <a:extLst>
               <a:ext uri="{FF2B5EF4-FFF2-40B4-BE49-F238E27FC236}">
-                <a16:creationId xmlns:a16="http://schemas.microsoft.com/office/drawing/2014/main" id="{642FC1D4-197E-661A-7B06-42834ACA89D8}"/>
+                <a16:creationId xmlns:a16="http://schemas.microsoft.com/office/drawing/2014/main" id="{EB3D39E9-EA5D-8B27-F8F7-9353C6A310A8}"/>
               </a:ext>
             </a:extLst>
           </p:cNvPr>
-          <p:cNvSpPr>
-            <a:spLocks noGrp="1"/>
-          </p:cNvSpPr>
+          <p:cNvPicPr>
+            <a:picLocks noGrp="1" noChangeAspect="1"/>
+          </p:cNvPicPr>
           <p:nvPr>
             <p:ph idx="1"/>
           </p:nvPr>
-        </p:nvSpPr>
+        </p:nvPicPr>
+        <p:blipFill>
+          <a:blip r:embed="rId2"/>
+          <a:stretch>
+            <a:fillRect/>
+          </a:stretch>
+        </p:blipFill>
         <p:spPr>
           <a:xfrm>
-            <a:off x="250825" y="1214439"/>
-            <a:ext cx="8642350" cy="565594"/>
+            <a:off x="585893" y="1354951"/>
+            <a:ext cx="7647732" cy="3254891"/>
           </a:xfrm>
         </p:spPr>
-        <p:txBody>
-          <a:bodyPr/>
-          <a:lstStyle/>
-          <a:p>
-            <a:pPr marL="457200" indent="-457200">
-              <a:buFont typeface="Arial" panose="020B0604020202020204" pitchFamily="34" charset="0"/>
-              <a:buChar char="•"/>
-            </a:pPr>
-            <a:r>
-              <a:rPr lang="en-DE" dirty="0"/>
-              <a:t>Agile Methode </a:t>
-            </a:r>
-          </a:p>
-        </p:txBody>
-      </p:sp>
+      </p:pic>
       <p:sp>
         <p:nvSpPr>
           <p:cNvPr id="4" name="Footer Placeholder 3">
@@ -5430,64 +5435,64 @@
           <a:p>
             <a:pPr algn="ctr"/>
             <a:r>
-              <a:rPr lang="en-GB" sz="1000" i="0" dirty="0" err="1">
+              <a:rPr lang="en-GB" sz="1000" i="0" err="1">
                 <a:effectLst/>
                 <a:latin typeface="Times New Roman" panose="02020603050405020304" pitchFamily="18" charset="0"/>
               </a:rPr>
               <a:t>Untersuchung</a:t>
             </a:r>
             <a:r>
-              <a:rPr lang="en-GB" sz="1000" i="0" dirty="0">
+              <a:rPr lang="en-GB" sz="1000" i="0">
                 <a:effectLst/>
                 <a:latin typeface="Times New Roman" panose="02020603050405020304" pitchFamily="18" charset="0"/>
               </a:rPr>
               <a:t> der </a:t>
             </a:r>
             <a:r>
-              <a:rPr lang="en-GB" sz="1000" i="0" dirty="0" err="1">
+              <a:rPr lang="en-GB" sz="1000" i="0" err="1">
                 <a:effectLst/>
                 <a:latin typeface="Times New Roman" panose="02020603050405020304" pitchFamily="18" charset="0"/>
               </a:rPr>
               <a:t>verschieden</a:t>
             </a:r>
             <a:r>
-              <a:rPr lang="en-GB" sz="1000" i="0" dirty="0">
+              <a:rPr lang="en-GB" sz="1000" i="0">
                 <a:effectLst/>
                 <a:latin typeface="Times New Roman" panose="02020603050405020304" pitchFamily="18" charset="0"/>
               </a:rPr>
               <a:t> </a:t>
             </a:r>
             <a:r>
-              <a:rPr lang="en-GB" sz="1000" i="0" dirty="0" err="1">
+              <a:rPr lang="en-GB" sz="1000" i="0" err="1">
                 <a:effectLst/>
                 <a:latin typeface="Times New Roman" panose="02020603050405020304" pitchFamily="18" charset="0"/>
               </a:rPr>
               <a:t>Schutzmechanismen</a:t>
             </a:r>
             <a:r>
-              <a:rPr lang="en-GB" sz="1000" dirty="0">
+              <a:rPr lang="en-GB" sz="1000">
                 <a:latin typeface="Times New Roman" panose="02020603050405020304" pitchFamily="18" charset="0"/>
               </a:rPr>
               <a:t> </a:t>
             </a:r>
             <a:r>
-              <a:rPr lang="en-GB" sz="1000" i="0" dirty="0">
+              <a:rPr lang="en-GB" sz="1000" i="0">
                 <a:effectLst/>
                 <a:latin typeface="Times New Roman" panose="02020603050405020304" pitchFamily="18" charset="0"/>
               </a:rPr>
               <a:t>in Smart Home </a:t>
             </a:r>
             <a:r>
-              <a:rPr lang="en-GB" sz="1000" i="0" dirty="0" err="1">
+              <a:rPr lang="en-GB" sz="1000" i="0" err="1">
                 <a:effectLst/>
                 <a:latin typeface="Times New Roman" panose="02020603050405020304" pitchFamily="18" charset="0"/>
               </a:rPr>
               <a:t>Netzwerken</a:t>
             </a:r>
-            <a:endParaRPr lang="en-DE" sz="1000" dirty="0"/>
-          </a:p>
-          <a:p>
-            <a:endParaRPr lang="de-DE" sz="1000" dirty="0"/>
+            <a:endParaRPr lang="en-DE" sz="1000"/>
+          </a:p>
+          <a:p>
+            <a:endParaRPr lang="de-DE" sz="1000"/>
           </a:p>
         </p:txBody>
       </p:sp>
@@ -5550,7 +5555,11 @@
           <a:p>
             <a:r>
               <a:rPr lang="en-DE" dirty="0"/>
-              <a:t>Danke für eure Aufmerksamkeit! </a:t>
+              <a:t>Danke für </a:t>
+            </a:r>
+            <a:r>
+              <a:rPr lang="en-DE"/>
+              <a:t>die Aufmerksamkeit! </a:t>
             </a:r>
           </a:p>
         </p:txBody>
@@ -5583,64 +5592,64 @@
           <a:p>
             <a:pPr algn="ctr"/>
             <a:r>
-              <a:rPr lang="en-GB" sz="1000" i="0" dirty="0" err="1">
+              <a:rPr lang="en-GB" sz="1000" i="0" err="1">
                 <a:effectLst/>
                 <a:latin typeface="Times New Roman" panose="02020603050405020304" pitchFamily="18" charset="0"/>
               </a:rPr>
               <a:t>Untersuchung</a:t>
             </a:r>
             <a:r>
-              <a:rPr lang="en-GB" sz="1000" i="0" dirty="0">
+              <a:rPr lang="en-GB" sz="1000" i="0">
                 <a:effectLst/>
                 <a:latin typeface="Times New Roman" panose="02020603050405020304" pitchFamily="18" charset="0"/>
               </a:rPr>
               <a:t> der </a:t>
             </a:r>
             <a:r>
-              <a:rPr lang="en-GB" sz="1000" i="0" dirty="0" err="1">
+              <a:rPr lang="en-GB" sz="1000" i="0" err="1">
                 <a:effectLst/>
                 <a:latin typeface="Times New Roman" panose="02020603050405020304" pitchFamily="18" charset="0"/>
               </a:rPr>
               <a:t>verschieden</a:t>
             </a:r>
             <a:r>
-              <a:rPr lang="en-GB" sz="1000" i="0" dirty="0">
+              <a:rPr lang="en-GB" sz="1000" i="0">
                 <a:effectLst/>
                 <a:latin typeface="Times New Roman" panose="02020603050405020304" pitchFamily="18" charset="0"/>
               </a:rPr>
               <a:t> </a:t>
             </a:r>
             <a:r>
-              <a:rPr lang="en-GB" sz="1000" i="0" dirty="0" err="1">
+              <a:rPr lang="en-GB" sz="1000" i="0" err="1">
                 <a:effectLst/>
                 <a:latin typeface="Times New Roman" panose="02020603050405020304" pitchFamily="18" charset="0"/>
               </a:rPr>
               <a:t>Schutzmechanismen</a:t>
             </a:r>
             <a:r>
-              <a:rPr lang="en-GB" sz="1000" dirty="0">
+              <a:rPr lang="en-GB" sz="1000">
                 <a:latin typeface="Times New Roman" panose="02020603050405020304" pitchFamily="18" charset="0"/>
               </a:rPr>
               <a:t> </a:t>
             </a:r>
             <a:r>
-              <a:rPr lang="en-GB" sz="1000" i="0" dirty="0">
+              <a:rPr lang="en-GB" sz="1000" i="0">
                 <a:effectLst/>
                 <a:latin typeface="Times New Roman" panose="02020603050405020304" pitchFamily="18" charset="0"/>
               </a:rPr>
               <a:t>in Smart Home </a:t>
             </a:r>
             <a:r>
-              <a:rPr lang="en-GB" sz="1000" i="0" dirty="0" err="1">
+              <a:rPr lang="en-GB" sz="1000" i="0" err="1">
                 <a:effectLst/>
                 <a:latin typeface="Times New Roman" panose="02020603050405020304" pitchFamily="18" charset="0"/>
               </a:rPr>
               <a:t>Netzwerken</a:t>
             </a:r>
-            <a:endParaRPr lang="en-DE" sz="1000" dirty="0"/>
-          </a:p>
-          <a:p>
-            <a:endParaRPr lang="de-DE" sz="1000" dirty="0"/>
+            <a:endParaRPr lang="en-DE" sz="1000"/>
+          </a:p>
+          <a:p>
+            <a:endParaRPr lang="de-DE" sz="1000"/>
           </a:p>
         </p:txBody>
       </p:sp>

--- a/IoT_Network_Security.pptx
+++ b/IoT_Network_Security.pptx
@@ -199,7 +199,11 @@
 <file path=ppt/revisionInfo.xml><?xml version="1.0" encoding="utf-8"?>
 <p1510:revInfo xmlns:a="http://schemas.openxmlformats.org/drawingml/2006/main" xmlns:r="http://schemas.openxmlformats.org/officeDocument/2006/relationships" xmlns:p1510="http://schemas.microsoft.com/office/powerpoint/2015/10/main">
   <p1510:revLst>
+    <p1510:client id="{44FE4C38-2D22-44B3-866F-BF4A66C61CD4}" v="38" dt="2023-05-15T13:30:26.375"/>
+    <p1510:client id="{5D7A7BAF-05FA-4CBA-A784-A88E2B282E6D}" v="6" dt="2023-05-11T11:52:42.508"/>
     <p1510:client id="{64B3F193-EB11-47B2-9012-290CB44CD964}" v="21" dt="2023-05-09T12:48:58.890"/>
+    <p1510:client id="{A1E63A75-9910-4996-8B70-642371963B79}" v="221" dt="2023-05-15T13:30:16.660"/>
+    <p1510:client id="{D6EE0244-53CE-4168-B50B-F76ABC06084C}" v="9" dt="2023-05-15T11:50:10.630"/>
   </p1510:revLst>
 </p1510:revInfo>
 </file>
@@ -3804,7 +3808,7 @@
         <p:spPr>
           <a:xfrm>
             <a:off x="250825" y="1691235"/>
-            <a:ext cx="2273890" cy="2585323"/>
+            <a:ext cx="2550115" cy="2585323"/>
           </a:xfrm>
           <a:prstGeom prst="rect">
             <a:avLst/>
@@ -3822,14 +3826,14 @@
               <a:buChar char="•"/>
             </a:pPr>
             <a:r>
-              <a:rPr lang="en-DE">
+              <a:rPr lang="en-DE" dirty="0" err="1">
                 <a:latin typeface="Arial"/>
                 <a:cs typeface="Arial"/>
               </a:rPr>
               <a:t>Einführung</a:t>
             </a:r>
             <a:br>
-              <a:rPr lang="en-DE"/>
+              <a:rPr lang="en-DE" dirty="0"/>
             </a:br>
             <a:endParaRPr lang="en-DE"/>
           </a:p>
@@ -3839,11 +3843,14 @@
               <a:buChar char="•"/>
             </a:pPr>
             <a:r>
-              <a:rPr lang="en-DE"/>
-              <a:t>Schwerpunkt</a:t>
+              <a:rPr lang="en-DE">
+                <a:latin typeface="Arial"/>
+                <a:cs typeface="Arial"/>
+              </a:rPr>
+              <a:t>Unser Fokus</a:t>
             </a:r>
             <a:br>
-              <a:rPr lang="en-DE"/>
+              <a:rPr lang="en-DE" dirty="0"/>
             </a:br>
             <a:endParaRPr lang="en-DE"/>
           </a:p>
@@ -3853,11 +3860,14 @@
               <a:buChar char="•"/>
             </a:pPr>
             <a:r>
-              <a:rPr lang="en-DE"/>
-              <a:t>Arbeitsquellen</a:t>
+              <a:rPr lang="en-DE" dirty="0" err="1">
+                <a:latin typeface="Arial"/>
+                <a:cs typeface="Arial"/>
+              </a:rPr>
+              <a:t>Quellen</a:t>
             </a:r>
             <a:br>
-              <a:rPr lang="en-DE"/>
+              <a:rPr lang="en-DE" dirty="0"/>
             </a:br>
             <a:endParaRPr lang="en-DE"/>
           </a:p>
@@ -3867,11 +3877,14 @@
               <a:buChar char="•"/>
             </a:pPr>
             <a:r>
-              <a:rPr lang="en-DE"/>
+              <a:rPr lang="en-DE" dirty="0" err="1">
+                <a:latin typeface="Arial"/>
+                <a:cs typeface="Arial"/>
+              </a:rPr>
               <a:t>Grundstruktur</a:t>
             </a:r>
             <a:br>
-              <a:rPr lang="en-DE"/>
+              <a:rPr lang="en-DE" dirty="0"/>
             </a:br>
             <a:endParaRPr lang="en-DE"/>
           </a:p>
@@ -3881,8 +3894,39 @@
               <a:buChar char="•"/>
             </a:pPr>
             <a:r>
-              <a:rPr lang="en-DE"/>
-              <a:t>Projektplanung</a:t>
+              <a:rPr lang="en-DE">
+                <a:latin typeface="Arial"/>
+                <a:cs typeface="Arial"/>
+              </a:rPr>
+              <a:t>Wie </a:t>
+            </a:r>
+            <a:r>
+              <a:rPr lang="en-DE" err="1">
+                <a:latin typeface="Arial"/>
+                <a:cs typeface="Arial"/>
+              </a:rPr>
+              <a:t>geht</a:t>
+            </a:r>
+            <a:r>
+              <a:rPr lang="en-DE">
+                <a:latin typeface="Arial"/>
+                <a:cs typeface="Arial"/>
+              </a:rPr>
+              <a:t> es </a:t>
+            </a:r>
+            <a:r>
+              <a:rPr lang="en-DE" err="1">
+                <a:latin typeface="Arial"/>
+                <a:cs typeface="Arial"/>
+              </a:rPr>
+              <a:t>weiter</a:t>
+            </a:r>
+            <a:r>
+              <a:rPr lang="en-DE">
+                <a:latin typeface="Arial"/>
+                <a:cs typeface="Arial"/>
+              </a:rPr>
+              <a:t>?</a:t>
             </a:r>
           </a:p>
         </p:txBody>
@@ -4534,8 +4578,11 @@
           <a:p>
             <a:r>
               <a:rPr lang="en-DE"/>
-              <a:t>Schwerpunkt</a:t>
-            </a:r>
+              <a:t>Unser Fokus </a:t>
+            </a:r>
+            <a:endParaRPr lang="de-DE">
+              <a:cs typeface="Arial"/>
+            </a:endParaRPr>
           </a:p>
         </p:txBody>
       </p:sp>
@@ -4937,8 +4984,11 @@
           <a:p>
             <a:r>
               <a:rPr lang="en-DE"/>
-              <a:t>Arbeitsquellen</a:t>
-            </a:r>
+              <a:t>Quellen</a:t>
+            </a:r>
+            <a:endParaRPr lang="de-DE">
+              <a:cs typeface="Arial"/>
+            </a:endParaRPr>
           </a:p>
         </p:txBody>
       </p:sp>
@@ -5033,10 +5083,10 @@
       </p:sp>
       <p:pic>
         <p:nvPicPr>
-          <p:cNvPr id="5" name="Picture 4">
+          <p:cNvPr id="3" name="Grafik 5" descr="Ein Bild, das Diagramm enthält.&#10;&#10;Beschreibung automatisch generiert.">
             <a:extLst>
               <a:ext uri="{FF2B5EF4-FFF2-40B4-BE49-F238E27FC236}">
-                <a16:creationId xmlns:a16="http://schemas.microsoft.com/office/drawing/2014/main" id="{39033AC1-1886-2D37-07BA-0980B66161E1}"/>
+                <a16:creationId xmlns:a16="http://schemas.microsoft.com/office/drawing/2014/main" id="{63E3371C-AD1E-ADA8-31C2-DFA19DA693D5}"/>
               </a:ext>
             </a:extLst>
           </p:cNvPr>
@@ -5053,8 +5103,8 @@
         </p:blipFill>
         <p:spPr>
           <a:xfrm>
-            <a:off x="0" y="1193494"/>
-            <a:ext cx="5976938" cy="3763706"/>
+            <a:off x="251620" y="1450589"/>
+            <a:ext cx="5181600" cy="3132477"/>
           </a:xfrm>
           <a:prstGeom prst="rect">
             <a:avLst/>
@@ -5063,10 +5113,10 @@
       </p:pic>
       <p:pic>
         <p:nvPicPr>
-          <p:cNvPr id="7" name="Picture 6" descr="Graphical user interface, text, application&#10;&#10;Description automatically generated">
+          <p:cNvPr id="5" name="Grafik 5" descr="Ein Bild, das Text enthält.&#10;&#10;Beschreibung automatisch generiert.">
             <a:extLst>
               <a:ext uri="{FF2B5EF4-FFF2-40B4-BE49-F238E27FC236}">
-                <a16:creationId xmlns:a16="http://schemas.microsoft.com/office/drawing/2014/main" id="{23799A67-D7FF-3210-D2FA-E93259BBB1BA}"/>
+                <a16:creationId xmlns:a16="http://schemas.microsoft.com/office/drawing/2014/main" id="{9DCAF3D1-049C-57BF-CB1E-FF3C1ACBD0D9}"/>
               </a:ext>
             </a:extLst>
           </p:cNvPr>
@@ -5076,21 +5126,15 @@
           <p:nvPr/>
         </p:nvPicPr>
         <p:blipFill>
-          <a:blip r:embed="rId3">
-            <a:extLst>
-              <a:ext uri="{28A0092B-C50C-407E-A947-70E740481C1C}">
-                <a14:useLocalDpi xmlns:a14="http://schemas.microsoft.com/office/drawing/2010/main" val="0"/>
-              </a:ext>
-            </a:extLst>
-          </a:blip>
+          <a:blip r:embed="rId3"/>
           <a:stretch>
             <a:fillRect/>
           </a:stretch>
         </p:blipFill>
         <p:spPr>
           <a:xfrm>
-            <a:off x="5401341" y="1818168"/>
-            <a:ext cx="3742660" cy="2615720"/>
+            <a:off x="5378495" y="1137672"/>
+            <a:ext cx="3602447" cy="3122600"/>
           </a:xfrm>
           <a:prstGeom prst="rect">
             <a:avLst/>
@@ -5186,8 +5230,8 @@
         </p:blipFill>
         <p:spPr>
           <a:xfrm>
-            <a:off x="89453" y="1134319"/>
-            <a:ext cx="3687417" cy="3822881"/>
+            <a:off x="5550275" y="783360"/>
+            <a:ext cx="3595231" cy="4152326"/>
           </a:xfrm>
         </p:spPr>
       </p:pic>
@@ -5282,10 +5326,10 @@
       </p:sp>
       <p:pic>
         <p:nvPicPr>
-          <p:cNvPr id="8" name="Picture 7" descr="Diagram&#10;&#10;Description automatically generated">
+          <p:cNvPr id="3" name="Grafik 4" descr="Ein Bild, das Diagramm enthält.&#10;&#10;Beschreibung automatisch generiert.">
             <a:extLst>
               <a:ext uri="{FF2B5EF4-FFF2-40B4-BE49-F238E27FC236}">
-                <a16:creationId xmlns:a16="http://schemas.microsoft.com/office/drawing/2014/main" id="{395AE21A-8313-09B4-2819-D6967FB1B46F}"/>
+                <a16:creationId xmlns:a16="http://schemas.microsoft.com/office/drawing/2014/main" id="{904D1BAB-5CF1-C5A2-D456-1C51FB0F81B5}"/>
               </a:ext>
             </a:extLst>
           </p:cNvPr>
@@ -5295,21 +5339,15 @@
           <p:nvPr/>
         </p:nvPicPr>
         <p:blipFill>
-          <a:blip r:embed="rId3" cstate="print">
-            <a:extLst>
-              <a:ext uri="{28A0092B-C50C-407E-A947-70E740481C1C}">
-                <a14:useLocalDpi xmlns:a14="http://schemas.microsoft.com/office/drawing/2010/main" val="0"/>
-              </a:ext>
-            </a:extLst>
-          </a:blip>
+          <a:blip r:embed="rId3"/>
           <a:stretch>
             <a:fillRect/>
           </a:stretch>
         </p:blipFill>
         <p:spPr>
           <a:xfrm>
-            <a:off x="3943084" y="1328845"/>
-            <a:ext cx="5111463" cy="3330592"/>
+            <a:off x="2620" y="978228"/>
+            <a:ext cx="5543604" cy="4021561"/>
           </a:xfrm>
           <a:prstGeom prst="rect">
             <a:avLst/>
@@ -5592,61 +5630,61 @@
           <a:p>
             <a:pPr algn="ctr"/>
             <a:r>
-              <a:rPr lang="en-GB" sz="1000" i="0" err="1">
+              <a:rPr lang="en-GB" sz="1000" i="0" dirty="0" err="1">
                 <a:effectLst/>
                 <a:latin typeface="Times New Roman" panose="02020603050405020304" pitchFamily="18" charset="0"/>
               </a:rPr>
               <a:t>Untersuchung</a:t>
             </a:r>
             <a:r>
-              <a:rPr lang="en-GB" sz="1000" i="0">
+              <a:rPr lang="en-GB" sz="1000" i="0" dirty="0">
                 <a:effectLst/>
                 <a:latin typeface="Times New Roman" panose="02020603050405020304" pitchFamily="18" charset="0"/>
               </a:rPr>
               <a:t> der </a:t>
             </a:r>
             <a:r>
-              <a:rPr lang="en-GB" sz="1000" i="0" err="1">
+              <a:rPr lang="en-GB" sz="1000" i="0" dirty="0" err="1">
                 <a:effectLst/>
                 <a:latin typeface="Times New Roman" panose="02020603050405020304" pitchFamily="18" charset="0"/>
               </a:rPr>
               <a:t>verschieden</a:t>
             </a:r>
             <a:r>
-              <a:rPr lang="en-GB" sz="1000" i="0">
+              <a:rPr lang="en-GB" sz="1000" i="0" dirty="0">
                 <a:effectLst/>
                 <a:latin typeface="Times New Roman" panose="02020603050405020304" pitchFamily="18" charset="0"/>
               </a:rPr>
               <a:t> </a:t>
             </a:r>
             <a:r>
-              <a:rPr lang="en-GB" sz="1000" i="0" err="1">
+              <a:rPr lang="en-GB" sz="1000" i="0" dirty="0" err="1">
                 <a:effectLst/>
                 <a:latin typeface="Times New Roman" panose="02020603050405020304" pitchFamily="18" charset="0"/>
               </a:rPr>
               <a:t>Schutzmechanismen</a:t>
             </a:r>
             <a:r>
-              <a:rPr lang="en-GB" sz="1000">
+              <a:rPr lang="en-GB" sz="1000" dirty="0">
                 <a:latin typeface="Times New Roman" panose="02020603050405020304" pitchFamily="18" charset="0"/>
               </a:rPr>
               <a:t> </a:t>
             </a:r>
             <a:r>
-              <a:rPr lang="en-GB" sz="1000" i="0">
+              <a:rPr lang="en-GB" sz="1000" i="0" dirty="0">
                 <a:effectLst/>
                 <a:latin typeface="Times New Roman" panose="02020603050405020304" pitchFamily="18" charset="0"/>
               </a:rPr>
               <a:t>in Smart Home </a:t>
             </a:r>
             <a:r>
-              <a:rPr lang="en-GB" sz="1000" i="0" err="1">
+              <a:rPr lang="en-GB" sz="1000" i="0" dirty="0" err="1">
                 <a:effectLst/>
                 <a:latin typeface="Times New Roman" panose="02020603050405020304" pitchFamily="18" charset="0"/>
               </a:rPr>
               <a:t>Netzwerken</a:t>
             </a:r>
-            <a:endParaRPr lang="en-DE" sz="1000"/>
+            <a:endParaRPr lang="en-DE" sz="1000" dirty="0"/>
           </a:p>
           <a:p>
             <a:endParaRPr lang="de-DE" sz="1000"/>
